--- a/A Matlab toolbox for single unit analysis_v2.pptx
+++ b/A Matlab toolbox for single unit analysis_v2.pptx
@@ -5,18 +5,20 @@
     <p:sldMasterId id="2147483648" r:id="rId1"/>
   </p:sldMasterIdLst>
   <p:notesMasterIdLst>
-    <p:notesMasterId r:id="rId11"/>
+    <p:notesMasterId r:id="rId13"/>
   </p:notesMasterIdLst>
   <p:sldIdLst>
     <p:sldId id="256" r:id="rId2"/>
     <p:sldId id="265" r:id="rId3"/>
     <p:sldId id="259" r:id="rId4"/>
-    <p:sldId id="262" r:id="rId5"/>
-    <p:sldId id="266" r:id="rId6"/>
-    <p:sldId id="257" r:id="rId7"/>
-    <p:sldId id="261" r:id="rId8"/>
-    <p:sldId id="263" r:id="rId9"/>
-    <p:sldId id="264" r:id="rId10"/>
+    <p:sldId id="268" r:id="rId5"/>
+    <p:sldId id="267" r:id="rId6"/>
+    <p:sldId id="262" r:id="rId7"/>
+    <p:sldId id="266" r:id="rId8"/>
+    <p:sldId id="257" r:id="rId9"/>
+    <p:sldId id="261" r:id="rId10"/>
+    <p:sldId id="263" r:id="rId11"/>
+    <p:sldId id="264" r:id="rId12"/>
   </p:sldIdLst>
   <p:sldSz cx="12192000" cy="6858000"/>
   <p:notesSz cx="6858000" cy="9144000"/>
@@ -216,7 +218,7 @@
           <a:p>
             <a:fld id="{53E84AA3-4E22-4653-A615-756F2878E739}" type="datetimeFigureOut">
               <a:rPr lang="en-US" smtClean="0"/>
-              <a:t>5/31/2020</a:t>
+              <a:t>8/11/2020</a:t>
             </a:fld>
             <a:endParaRPr lang="en-US"/>
           </a:p>
@@ -630,7 +632,7 @@
           <a:p>
             <a:fld id="{79EA1712-1074-419C-AA18-3D9F62A7A00E}" type="datetimeFigureOut">
               <a:rPr lang="en-US" smtClean="0"/>
-              <a:t>5/31/2020</a:t>
+              <a:t>8/11/2020</a:t>
             </a:fld>
             <a:endParaRPr lang="en-US"/>
           </a:p>
@@ -828,7 +830,7 @@
           <a:p>
             <a:fld id="{79EA1712-1074-419C-AA18-3D9F62A7A00E}" type="datetimeFigureOut">
               <a:rPr lang="en-US" smtClean="0"/>
-              <a:t>5/31/2020</a:t>
+              <a:t>8/11/2020</a:t>
             </a:fld>
             <a:endParaRPr lang="en-US"/>
           </a:p>
@@ -1036,7 +1038,7 @@
           <a:p>
             <a:fld id="{79EA1712-1074-419C-AA18-3D9F62A7A00E}" type="datetimeFigureOut">
               <a:rPr lang="en-US" smtClean="0"/>
-              <a:t>5/31/2020</a:t>
+              <a:t>8/11/2020</a:t>
             </a:fld>
             <a:endParaRPr lang="en-US"/>
           </a:p>
@@ -1234,7 +1236,7 @@
           <a:p>
             <a:fld id="{79EA1712-1074-419C-AA18-3D9F62A7A00E}" type="datetimeFigureOut">
               <a:rPr lang="en-US" smtClean="0"/>
-              <a:t>5/31/2020</a:t>
+              <a:t>8/11/2020</a:t>
             </a:fld>
             <a:endParaRPr lang="en-US"/>
           </a:p>
@@ -1509,7 +1511,7 @@
           <a:p>
             <a:fld id="{79EA1712-1074-419C-AA18-3D9F62A7A00E}" type="datetimeFigureOut">
               <a:rPr lang="en-US" smtClean="0"/>
-              <a:t>5/31/2020</a:t>
+              <a:t>8/11/2020</a:t>
             </a:fld>
             <a:endParaRPr lang="en-US"/>
           </a:p>
@@ -1774,7 +1776,7 @@
           <a:p>
             <a:fld id="{79EA1712-1074-419C-AA18-3D9F62A7A00E}" type="datetimeFigureOut">
               <a:rPr lang="en-US" smtClean="0"/>
-              <a:t>5/31/2020</a:t>
+              <a:t>8/11/2020</a:t>
             </a:fld>
             <a:endParaRPr lang="en-US"/>
           </a:p>
@@ -2186,7 +2188,7 @@
           <a:p>
             <a:fld id="{79EA1712-1074-419C-AA18-3D9F62A7A00E}" type="datetimeFigureOut">
               <a:rPr lang="en-US" smtClean="0"/>
-              <a:t>5/31/2020</a:t>
+              <a:t>8/11/2020</a:t>
             </a:fld>
             <a:endParaRPr lang="en-US"/>
           </a:p>
@@ -2327,7 +2329,7 @@
           <a:p>
             <a:fld id="{79EA1712-1074-419C-AA18-3D9F62A7A00E}" type="datetimeFigureOut">
               <a:rPr lang="en-US" smtClean="0"/>
-              <a:t>5/31/2020</a:t>
+              <a:t>8/11/2020</a:t>
             </a:fld>
             <a:endParaRPr lang="en-US"/>
           </a:p>
@@ -2440,7 +2442,7 @@
           <a:p>
             <a:fld id="{79EA1712-1074-419C-AA18-3D9F62A7A00E}" type="datetimeFigureOut">
               <a:rPr lang="en-US" smtClean="0"/>
-              <a:t>5/31/2020</a:t>
+              <a:t>8/11/2020</a:t>
             </a:fld>
             <a:endParaRPr lang="en-US"/>
           </a:p>
@@ -2751,7 +2753,7 @@
           <a:p>
             <a:fld id="{79EA1712-1074-419C-AA18-3D9F62A7A00E}" type="datetimeFigureOut">
               <a:rPr lang="en-US" smtClean="0"/>
-              <a:t>5/31/2020</a:t>
+              <a:t>8/11/2020</a:t>
             </a:fld>
             <a:endParaRPr lang="en-US"/>
           </a:p>
@@ -3039,7 +3041,7 @@
           <a:p>
             <a:fld id="{79EA1712-1074-419C-AA18-3D9F62A7A00E}" type="datetimeFigureOut">
               <a:rPr lang="en-US" smtClean="0"/>
-              <a:t>5/31/2020</a:t>
+              <a:t>8/11/2020</a:t>
             </a:fld>
             <a:endParaRPr lang="en-US"/>
           </a:p>
@@ -3280,7 +3282,7 @@
           <a:p>
             <a:fld id="{79EA1712-1074-419C-AA18-3D9F62A7A00E}" type="datetimeFigureOut">
               <a:rPr lang="en-US" smtClean="0"/>
-              <a:t>5/31/2020</a:t>
+              <a:t>8/11/2020</a:t>
             </a:fld>
             <a:endParaRPr lang="en-US"/>
           </a:p>
@@ -3779,6 +3781,212 @@
     <p:extLst>
       <p:ext uri="{BB962C8B-B14F-4D97-AF65-F5344CB8AC3E}">
         <p14:creationId xmlns:p14="http://schemas.microsoft.com/office/powerpoint/2010/main" val="1185801518"/>
+      </p:ext>
+    </p:extLst>
+  </p:cSld>
+  <p:clrMapOvr>
+    <a:masterClrMapping/>
+  </p:clrMapOvr>
+</p:sld>
+</file>
+
+<file path=ppt/slides/slide10.xml><?xml version="1.0" encoding="utf-8"?>
+<p:sld xmlns:a="http://schemas.openxmlformats.org/drawingml/2006/main" xmlns:r="http://schemas.openxmlformats.org/officeDocument/2006/relationships" xmlns:p="http://schemas.openxmlformats.org/presentationml/2006/main">
+  <p:cSld>
+    <p:spTree>
+      <p:nvGrpSpPr>
+        <p:cNvPr id="1" name=""/>
+        <p:cNvGrpSpPr/>
+        <p:nvPr/>
+      </p:nvGrpSpPr>
+      <p:grpSpPr>
+        <a:xfrm>
+          <a:off x="0" y="0"/>
+          <a:ext cx="0" cy="0"/>
+          <a:chOff x="0" y="0"/>
+          <a:chExt cx="0" cy="0"/>
+        </a:xfrm>
+      </p:grpSpPr>
+      <p:sp>
+        <p:nvSpPr>
+          <p:cNvPr id="2" name="Title 1">
+            <a:extLst>
+              <a:ext uri="{FF2B5EF4-FFF2-40B4-BE49-F238E27FC236}">
+                <a16:creationId xmlns:a16="http://schemas.microsoft.com/office/drawing/2014/main" id="{FFE1E5A7-5416-4D8E-99DD-A54825E28448}"/>
+              </a:ext>
+            </a:extLst>
+          </p:cNvPr>
+          <p:cNvSpPr>
+            <a:spLocks noGrp="1"/>
+          </p:cNvSpPr>
+          <p:nvPr>
+            <p:ph type="title"/>
+          </p:nvPr>
+        </p:nvSpPr>
+        <p:spPr/>
+        <p:txBody>
+          <a:bodyPr/>
+          <a:lstStyle/>
+          <a:p>
+            <a:r>
+              <a:rPr lang="en-US" dirty="0"/>
+              <a:t>Population analysis</a:t>
+            </a:r>
+          </a:p>
+        </p:txBody>
+      </p:sp>
+      <p:sp>
+        <p:nvSpPr>
+          <p:cNvPr id="3" name="Content Placeholder 2">
+            <a:extLst>
+              <a:ext uri="{FF2B5EF4-FFF2-40B4-BE49-F238E27FC236}">
+                <a16:creationId xmlns:a16="http://schemas.microsoft.com/office/drawing/2014/main" id="{E7D0BC1D-3A23-4982-AF37-9CEA1C46788D}"/>
+              </a:ext>
+            </a:extLst>
+          </p:cNvPr>
+          <p:cNvSpPr>
+            <a:spLocks noGrp="1"/>
+          </p:cNvSpPr>
+          <p:nvPr>
+            <p:ph idx="1"/>
+          </p:nvPr>
+        </p:nvSpPr>
+        <p:spPr/>
+        <p:txBody>
+          <a:bodyPr/>
+          <a:lstStyle/>
+          <a:p>
+            <a:r>
+              <a:rPr lang="en-US" dirty="0"/>
+              <a:t>Extract numbers from PSTHs</a:t>
+            </a:r>
+          </a:p>
+          <a:p>
+            <a:r>
+              <a:rPr lang="en-US" dirty="0"/>
+              <a:t>Within-session analysis (across trials)</a:t>
+            </a:r>
+          </a:p>
+          <a:p>
+            <a:r>
+              <a:rPr lang="en-US" dirty="0"/>
+              <a:t>Across-session analysis (using session-average, across session)</a:t>
+            </a:r>
+          </a:p>
+          <a:p>
+            <a:r>
+              <a:rPr lang="en-US" dirty="0"/>
+              <a:t>Visualization accompanies stats</a:t>
+            </a:r>
+          </a:p>
+          <a:p>
+            <a:r>
+              <a:rPr lang="en-US" dirty="0"/>
+              <a:t>Rigorous</a:t>
+            </a:r>
+          </a:p>
+          <a:p>
+            <a:pPr lvl="1"/>
+            <a:r>
+              <a:rPr lang="en-US" dirty="0"/>
+              <a:t>N, OL</a:t>
+            </a:r>
+          </a:p>
+          <a:p>
+            <a:endParaRPr lang="en-US" dirty="0"/>
+          </a:p>
+        </p:txBody>
+      </p:sp>
+    </p:spTree>
+    <p:extLst>
+      <p:ext uri="{BB962C8B-B14F-4D97-AF65-F5344CB8AC3E}">
+        <p14:creationId xmlns:p14="http://schemas.microsoft.com/office/powerpoint/2010/main" val="3555894964"/>
+      </p:ext>
+    </p:extLst>
+  </p:cSld>
+  <p:clrMapOvr>
+    <a:masterClrMapping/>
+  </p:clrMapOvr>
+</p:sld>
+</file>
+
+<file path=ppt/slides/slide11.xml><?xml version="1.0" encoding="utf-8"?>
+<p:sld xmlns:a="http://schemas.openxmlformats.org/drawingml/2006/main" xmlns:r="http://schemas.openxmlformats.org/officeDocument/2006/relationships" xmlns:p="http://schemas.openxmlformats.org/presentationml/2006/main">
+  <p:cSld>
+    <p:spTree>
+      <p:nvGrpSpPr>
+        <p:cNvPr id="1" name=""/>
+        <p:cNvGrpSpPr/>
+        <p:nvPr/>
+      </p:nvGrpSpPr>
+      <p:grpSpPr>
+        <a:xfrm>
+          <a:off x="0" y="0"/>
+          <a:ext cx="0" cy="0"/>
+          <a:chOff x="0" y="0"/>
+          <a:chExt cx="0" cy="0"/>
+        </a:xfrm>
+      </p:grpSpPr>
+      <p:sp>
+        <p:nvSpPr>
+          <p:cNvPr id="2" name="Title 1">
+            <a:extLst>
+              <a:ext uri="{FF2B5EF4-FFF2-40B4-BE49-F238E27FC236}">
+                <a16:creationId xmlns:a16="http://schemas.microsoft.com/office/drawing/2014/main" id="{20945CB4-53F1-4DEA-BA93-D6041C4B7289}"/>
+              </a:ext>
+            </a:extLst>
+          </p:cNvPr>
+          <p:cNvSpPr>
+            <a:spLocks noGrp="1"/>
+          </p:cNvSpPr>
+          <p:nvPr>
+            <p:ph type="title"/>
+          </p:nvPr>
+        </p:nvSpPr>
+        <p:spPr/>
+        <p:txBody>
+          <a:bodyPr/>
+          <a:lstStyle/>
+          <a:p>
+            <a:r>
+              <a:rPr lang="en-US" dirty="0"/>
+              <a:t>Disclaimer</a:t>
+            </a:r>
+          </a:p>
+        </p:txBody>
+      </p:sp>
+      <p:sp>
+        <p:nvSpPr>
+          <p:cNvPr id="3" name="Content Placeholder 2">
+            <a:extLst>
+              <a:ext uri="{FF2B5EF4-FFF2-40B4-BE49-F238E27FC236}">
+                <a16:creationId xmlns:a16="http://schemas.microsoft.com/office/drawing/2014/main" id="{20402CE1-1F5E-4456-BF41-38B618E430FB}"/>
+              </a:ext>
+            </a:extLst>
+          </p:cNvPr>
+          <p:cNvSpPr>
+            <a:spLocks noGrp="1"/>
+          </p:cNvSpPr>
+          <p:nvPr>
+            <p:ph idx="1"/>
+          </p:nvPr>
+        </p:nvSpPr>
+        <p:spPr/>
+        <p:txBody>
+          <a:bodyPr/>
+          <a:lstStyle/>
+          <a:p>
+            <a:r>
+              <a:rPr lang="en-US" dirty="0"/>
+              <a:t>Bugs will happen; suspect the results!</a:t>
+            </a:r>
+          </a:p>
+        </p:txBody>
+      </p:sp>
+    </p:spTree>
+    <p:extLst>
+      <p:ext uri="{BB962C8B-B14F-4D97-AF65-F5344CB8AC3E}">
+        <p14:creationId xmlns:p14="http://schemas.microsoft.com/office/powerpoint/2010/main" val="332489415"/>
       </p:ext>
     </p:extLst>
   </p:cSld>
@@ -8783,7 +8991,7 @@
           <p:cNvPr id="2" name="Title 1">
             <a:extLst>
               <a:ext uri="{FF2B5EF4-FFF2-40B4-BE49-F238E27FC236}">
-                <a16:creationId xmlns:a16="http://schemas.microsoft.com/office/drawing/2014/main" id="{99751610-01BC-4ACB-A346-965B931649E0}"/>
+                <a16:creationId xmlns:a16="http://schemas.microsoft.com/office/drawing/2014/main" id="{1B9371A9-7985-4750-8984-3FEAD62EF375}"/>
               </a:ext>
             </a:extLst>
           </p:cNvPr>
@@ -8794,23 +9002,14 @@
             <p:ph type="title"/>
           </p:nvPr>
         </p:nvSpPr>
-        <p:spPr>
-          <a:xfrm>
-            <a:off x="241851" y="-148394"/>
-            <a:ext cx="10515600" cy="1325563"/>
-          </a:xfrm>
-        </p:spPr>
+        <p:spPr/>
         <p:txBody>
           <a:bodyPr/>
           <a:lstStyle/>
           <a:p>
             <a:r>
-              <a:rPr lang="en-US" dirty="0" err="1"/>
-              <a:t>plot_timecourse</a:t>
-            </a:r>
-            <a:r>
               <a:rPr lang="en-US" dirty="0"/>
-              <a:t>(): plotting PSTH</a:t>
+              <a:t>Motivation</a:t>
             </a:r>
           </a:p>
         </p:txBody>
@@ -8820,7 +9019,7 @@
           <p:cNvPr id="3" name="Content Placeholder 2">
             <a:extLst>
               <a:ext uri="{FF2B5EF4-FFF2-40B4-BE49-F238E27FC236}">
-                <a16:creationId xmlns:a16="http://schemas.microsoft.com/office/drawing/2014/main" id="{37684F67-F8AE-4610-88C1-7949CC5F396F}"/>
+                <a16:creationId xmlns:a16="http://schemas.microsoft.com/office/drawing/2014/main" id="{B7976685-BBF1-4727-9FAB-7FB81D1B5139}"/>
               </a:ext>
             </a:extLst>
           </p:cNvPr>
@@ -8831,185 +9030,69 @@
             <p:ph idx="1"/>
           </p:nvPr>
         </p:nvSpPr>
-        <p:spPr>
-          <a:xfrm>
-            <a:off x="6457950" y="971550"/>
-            <a:ext cx="5492198" cy="5524500"/>
-          </a:xfrm>
-        </p:spPr>
-        <p:txBody>
-          <a:bodyPr>
-            <a:normAutofit/>
-          </a:bodyPr>
+        <p:spPr/>
+        <p:txBody>
+          <a:bodyPr/>
           <a:lstStyle/>
           <a:p>
-            <a:pPr marL="0" indent="0">
-              <a:buNone/>
-            </a:pPr>
             <a:r>
               <a:rPr lang="en-US" dirty="0"/>
-              <a:t>Download and install</a:t>
-            </a:r>
-          </a:p>
-          <a:p>
-            <a:pPr>
-              <a:buFontTx/>
-              <a:buChar char="-"/>
-            </a:pPr>
+              <a:t>Provide a set of functions that allow users to manage data flexibly, rigorously, and easy to verify the results. </a:t>
+            </a:r>
+          </a:p>
+          <a:p>
             <a:r>
               <a:rPr lang="en-US" dirty="0"/>
-              <a:t>Go to http://</a:t>
-            </a:r>
-          </a:p>
-          <a:p>
-            <a:pPr>
-              <a:buFontTx/>
-              <a:buChar char="-"/>
-            </a:pPr>
+              <a:t>This helps the users avoid spending time on</a:t>
+            </a:r>
+          </a:p>
+          <a:p>
+            <a:pPr lvl="1"/>
             <a:r>
               <a:rPr lang="en-US" dirty="0"/>
-              <a:t>Click ‘save’</a:t>
-            </a:r>
-          </a:p>
-          <a:p>
-            <a:pPr>
-              <a:buFontTx/>
-              <a:buChar char="-"/>
-            </a:pPr>
+              <a:t>Verifying basic properties (e.g., alignment on the trigger) of PSTHs</a:t>
+            </a:r>
+          </a:p>
+          <a:p>
+            <a:pPr lvl="1"/>
             <a:r>
               <a:rPr lang="en-US" dirty="0"/>
-              <a:t>Open Matlab</a:t>
-            </a:r>
-          </a:p>
-          <a:p>
-            <a:pPr marL="0" indent="0">
-              <a:buNone/>
-            </a:pPr>
+              <a:t>Combining PSTHs and aligning time series across different PSTHs</a:t>
+            </a:r>
+          </a:p>
+          <a:p>
+            <a:pPr lvl="1"/>
             <a:r>
               <a:rPr lang="en-US" dirty="0"/>
-              <a:t>&gt;&gt; load </a:t>
-            </a:r>
-            <a:r>
-              <a:rPr lang="en-US" dirty="0" err="1"/>
-              <a:t>libtimecourse_demo_data</a:t>
-            </a:r>
-            <a:endParaRPr lang="en-US" dirty="0"/>
-          </a:p>
-          <a:p>
-            <a:pPr marL="0" indent="0">
-              <a:buNone/>
-            </a:pPr>
+              <a:t>Checking whether some experimental groups are missing</a:t>
+            </a:r>
+          </a:p>
+          <a:p>
+            <a:pPr lvl="1"/>
             <a:r>
               <a:rPr lang="en-US" dirty="0"/>
-              <a:t>&gt;&gt; figure;</a:t>
-            </a:r>
-          </a:p>
-          <a:p>
-            <a:pPr marL="0" indent="0">
-              <a:buNone/>
-            </a:pPr>
+              <a:t>Dealing with errors </a:t>
+            </a:r>
+            <a:r>
+              <a:rPr lang="en-US"/>
+              <a:t>in ‘basic but essential’ data </a:t>
+            </a:r>
             <a:r>
               <a:rPr lang="en-US" dirty="0"/>
-              <a:t>&gt;&gt; </a:t>
-            </a:r>
-            <a:r>
-              <a:rPr lang="en-US" dirty="0" err="1"/>
-              <a:t>plot_timecourse</a:t>
-            </a:r>
+              <a:t>processing parts.</a:t>
+            </a:r>
+          </a:p>
+          <a:p>
             <a:r>
               <a:rPr lang="en-US" dirty="0"/>
-              <a:t>(‘timestamp’, </a:t>
-            </a:r>
-            <a:r>
-              <a:rPr lang="en-US" dirty="0" err="1"/>
-              <a:t>ms_lick</a:t>
-            </a:r>
+              <a:t>Users can focus on their own scientific questions</a:t>
+            </a:r>
+          </a:p>
+          <a:p>
+            <a:pPr lvl="1"/>
             <a:r>
               <a:rPr lang="en-US" dirty="0"/>
-              <a:t>, </a:t>
-            </a:r>
-            <a:r>
-              <a:rPr lang="en-US" dirty="0" err="1"/>
-              <a:t>ms_reward</a:t>
-            </a:r>
-            <a:r>
-              <a:rPr lang="en-US" dirty="0"/>
-              <a:t>, -2000, 2000);</a:t>
-            </a:r>
-          </a:p>
-          <a:p>
-            <a:endParaRPr lang="en-US" dirty="0"/>
-          </a:p>
-          <a:p>
-            <a:endParaRPr lang="en-US" dirty="0"/>
-          </a:p>
-        </p:txBody>
-      </p:sp>
-      <p:sp>
-        <p:nvSpPr>
-          <p:cNvPr id="5" name="Rectangle 4">
-            <a:extLst>
-              <a:ext uri="{FF2B5EF4-FFF2-40B4-BE49-F238E27FC236}">
-                <a16:creationId xmlns:a16="http://schemas.microsoft.com/office/drawing/2014/main" id="{11DBF8E8-14E3-4B23-A20D-D29DD07F2F1C}"/>
-              </a:ext>
-            </a:extLst>
-          </p:cNvPr>
-          <p:cNvSpPr/>
-          <p:nvPr/>
-        </p:nvSpPr>
-        <p:spPr>
-          <a:xfrm>
-            <a:off x="241851" y="4939427"/>
-            <a:ext cx="5682698" cy="1754326"/>
-          </a:xfrm>
-          <a:prstGeom prst="rect">
-            <a:avLst/>
-          </a:prstGeom>
-        </p:spPr>
-        <p:txBody>
-          <a:bodyPr wrap="square">
-            <a:spAutoFit/>
-          </a:bodyPr>
-          <a:lstStyle/>
-          <a:p>
-            <a:r>
-              <a:rPr lang="en-US" dirty="0"/>
-              <a:t>Features</a:t>
-            </a:r>
-          </a:p>
-          <a:p>
-            <a:pPr lvl="1"/>
-            <a:r>
-              <a:rPr lang="en-US" dirty="0"/>
-              <a:t>One function for both timestamp and continuous data</a:t>
-            </a:r>
-          </a:p>
-          <a:p>
-            <a:pPr lvl="1"/>
-            <a:r>
-              <a:rPr lang="en-US" dirty="0"/>
-              <a:t>Time window can be either constant or variable</a:t>
-            </a:r>
-          </a:p>
-          <a:p>
-            <a:pPr lvl="1"/>
-            <a:r>
-              <a:rPr lang="en-US" dirty="0"/>
-              <a:t>Show N for every plot</a:t>
-            </a:r>
-          </a:p>
-          <a:p>
-            <a:pPr lvl="1"/>
-            <a:r>
-              <a:rPr lang="en-US" dirty="0"/>
-              <a:t>Supports simple stats</a:t>
-            </a:r>
-          </a:p>
-          <a:p>
-            <a:pPr lvl="1"/>
-            <a:r>
-              <a:rPr lang="en-US" dirty="0"/>
-              <a:t>easy to save, load, and combine</a:t>
+              <a:t>E.g., what does the multi-dimensional population activity mean?</a:t>
             </a:r>
           </a:p>
         </p:txBody>
@@ -9017,7 +9100,7 @@
     </p:spTree>
     <p:extLst>
       <p:ext uri="{BB962C8B-B14F-4D97-AF65-F5344CB8AC3E}">
-        <p14:creationId xmlns:p14="http://schemas.microsoft.com/office/powerpoint/2010/main" val="390215011"/>
+        <p14:creationId xmlns:p14="http://schemas.microsoft.com/office/powerpoint/2010/main" val="341603501"/>
       </p:ext>
     </p:extLst>
   </p:cSld>
@@ -9049,6 +9132,618 @@
           <p:cNvPr id="2" name="Title 1">
             <a:extLst>
               <a:ext uri="{FF2B5EF4-FFF2-40B4-BE49-F238E27FC236}">
+                <a16:creationId xmlns:a16="http://schemas.microsoft.com/office/drawing/2014/main" id="{597FBE67-F76F-4500-835E-29D745036B00}"/>
+              </a:ext>
+            </a:extLst>
+          </p:cNvPr>
+          <p:cNvSpPr>
+            <a:spLocks noGrp="1"/>
+          </p:cNvSpPr>
+          <p:nvPr>
+            <p:ph type="title"/>
+          </p:nvPr>
+        </p:nvSpPr>
+        <p:spPr>
+          <a:xfrm>
+            <a:off x="838200" y="207958"/>
+            <a:ext cx="10515600" cy="977900"/>
+          </a:xfrm>
+        </p:spPr>
+        <p:txBody>
+          <a:bodyPr/>
+          <a:lstStyle/>
+          <a:p>
+            <a:r>
+              <a:rPr lang="en-US" dirty="0"/>
+              <a:t>Design principle</a:t>
+            </a:r>
+          </a:p>
+        </p:txBody>
+      </p:sp>
+      <p:sp>
+        <p:nvSpPr>
+          <p:cNvPr id="4" name="Content Placeholder 2">
+            <a:extLst>
+              <a:ext uri="{FF2B5EF4-FFF2-40B4-BE49-F238E27FC236}">
+                <a16:creationId xmlns:a16="http://schemas.microsoft.com/office/drawing/2014/main" id="{1346E93F-A961-42D5-BCA1-0E36E27DCC04}"/>
+              </a:ext>
+            </a:extLst>
+          </p:cNvPr>
+          <p:cNvSpPr txBox="1">
+            <a:spLocks/>
+          </p:cNvSpPr>
+          <p:nvPr/>
+        </p:nvSpPr>
+        <p:spPr>
+          <a:xfrm>
+            <a:off x="671512" y="1357313"/>
+            <a:ext cx="10515600" cy="4819650"/>
+          </a:xfrm>
+          <a:prstGeom prst="rect">
+            <a:avLst/>
+          </a:prstGeom>
+        </p:spPr>
+        <p:txBody>
+          <a:bodyPr vert="horz" lIns="91440" tIns="45720" rIns="91440" bIns="45720" rtlCol="0">
+            <a:normAutofit/>
+          </a:bodyPr>
+          <a:lstStyle>
+            <a:lvl1pPr marL="228600" indent="-228600" algn="l" defTabSz="914400" rtl="0" eaLnBrk="1" latinLnBrk="0" hangingPunct="1">
+              <a:lnSpc>
+                <a:spcPct val="90000"/>
+              </a:lnSpc>
+              <a:spcBef>
+                <a:spcPts val="1000"/>
+              </a:spcBef>
+              <a:buFont typeface="Arial" panose="020B0604020202020204" pitchFamily="34" charset="0"/>
+              <a:buChar char="•"/>
+              <a:defRPr sz="2800" kern="1200">
+                <a:solidFill>
+                  <a:schemeClr val="tx1"/>
+                </a:solidFill>
+                <a:latin typeface="+mn-lt"/>
+                <a:ea typeface="+mn-ea"/>
+                <a:cs typeface="+mn-cs"/>
+              </a:defRPr>
+            </a:lvl1pPr>
+            <a:lvl2pPr marL="685800" indent="-228600" algn="l" defTabSz="914400" rtl="0" eaLnBrk="1" latinLnBrk="0" hangingPunct="1">
+              <a:lnSpc>
+                <a:spcPct val="90000"/>
+              </a:lnSpc>
+              <a:spcBef>
+                <a:spcPts val="500"/>
+              </a:spcBef>
+              <a:buFont typeface="Arial" panose="020B0604020202020204" pitchFamily="34" charset="0"/>
+              <a:buChar char="•"/>
+              <a:defRPr sz="2400" kern="1200">
+                <a:solidFill>
+                  <a:schemeClr val="tx1"/>
+                </a:solidFill>
+                <a:latin typeface="+mn-lt"/>
+                <a:ea typeface="+mn-ea"/>
+                <a:cs typeface="+mn-cs"/>
+              </a:defRPr>
+            </a:lvl2pPr>
+            <a:lvl3pPr marL="1143000" indent="-228600" algn="l" defTabSz="914400" rtl="0" eaLnBrk="1" latinLnBrk="0" hangingPunct="1">
+              <a:lnSpc>
+                <a:spcPct val="90000"/>
+              </a:lnSpc>
+              <a:spcBef>
+                <a:spcPts val="500"/>
+              </a:spcBef>
+              <a:buFont typeface="Arial" panose="020B0604020202020204" pitchFamily="34" charset="0"/>
+              <a:buChar char="•"/>
+              <a:defRPr sz="2000" kern="1200">
+                <a:solidFill>
+                  <a:schemeClr val="tx1"/>
+                </a:solidFill>
+                <a:latin typeface="+mn-lt"/>
+                <a:ea typeface="+mn-ea"/>
+                <a:cs typeface="+mn-cs"/>
+              </a:defRPr>
+            </a:lvl3pPr>
+            <a:lvl4pPr marL="1600200" indent="-228600" algn="l" defTabSz="914400" rtl="0" eaLnBrk="1" latinLnBrk="0" hangingPunct="1">
+              <a:lnSpc>
+                <a:spcPct val="90000"/>
+              </a:lnSpc>
+              <a:spcBef>
+                <a:spcPts val="500"/>
+              </a:spcBef>
+              <a:buFont typeface="Arial" panose="020B0604020202020204" pitchFamily="34" charset="0"/>
+              <a:buChar char="•"/>
+              <a:defRPr sz="1800" kern="1200">
+                <a:solidFill>
+                  <a:schemeClr val="tx1"/>
+                </a:solidFill>
+                <a:latin typeface="+mn-lt"/>
+                <a:ea typeface="+mn-ea"/>
+                <a:cs typeface="+mn-cs"/>
+              </a:defRPr>
+            </a:lvl4pPr>
+            <a:lvl5pPr marL="2057400" indent="-228600" algn="l" defTabSz="914400" rtl="0" eaLnBrk="1" latinLnBrk="0" hangingPunct="1">
+              <a:lnSpc>
+                <a:spcPct val="90000"/>
+              </a:lnSpc>
+              <a:spcBef>
+                <a:spcPts val="500"/>
+              </a:spcBef>
+              <a:buFont typeface="Arial" panose="020B0604020202020204" pitchFamily="34" charset="0"/>
+              <a:buChar char="•"/>
+              <a:defRPr sz="1800" kern="1200">
+                <a:solidFill>
+                  <a:schemeClr val="tx1"/>
+                </a:solidFill>
+                <a:latin typeface="+mn-lt"/>
+                <a:ea typeface="+mn-ea"/>
+                <a:cs typeface="+mn-cs"/>
+              </a:defRPr>
+            </a:lvl5pPr>
+            <a:lvl6pPr marL="2514600" indent="-228600" algn="l" defTabSz="914400" rtl="0" eaLnBrk="1" latinLnBrk="0" hangingPunct="1">
+              <a:lnSpc>
+                <a:spcPct val="90000"/>
+              </a:lnSpc>
+              <a:spcBef>
+                <a:spcPts val="500"/>
+              </a:spcBef>
+              <a:buFont typeface="Arial" panose="020B0604020202020204" pitchFamily="34" charset="0"/>
+              <a:buChar char="•"/>
+              <a:defRPr sz="1800" kern="1200">
+                <a:solidFill>
+                  <a:schemeClr val="tx1"/>
+                </a:solidFill>
+                <a:latin typeface="+mn-lt"/>
+                <a:ea typeface="+mn-ea"/>
+                <a:cs typeface="+mn-cs"/>
+              </a:defRPr>
+            </a:lvl6pPr>
+            <a:lvl7pPr marL="2971800" indent="-228600" algn="l" defTabSz="914400" rtl="0" eaLnBrk="1" latinLnBrk="0" hangingPunct="1">
+              <a:lnSpc>
+                <a:spcPct val="90000"/>
+              </a:lnSpc>
+              <a:spcBef>
+                <a:spcPts val="500"/>
+              </a:spcBef>
+              <a:buFont typeface="Arial" panose="020B0604020202020204" pitchFamily="34" charset="0"/>
+              <a:buChar char="•"/>
+              <a:defRPr sz="1800" kern="1200">
+                <a:solidFill>
+                  <a:schemeClr val="tx1"/>
+                </a:solidFill>
+                <a:latin typeface="+mn-lt"/>
+                <a:ea typeface="+mn-ea"/>
+                <a:cs typeface="+mn-cs"/>
+              </a:defRPr>
+            </a:lvl7pPr>
+            <a:lvl8pPr marL="3429000" indent="-228600" algn="l" defTabSz="914400" rtl="0" eaLnBrk="1" latinLnBrk="0" hangingPunct="1">
+              <a:lnSpc>
+                <a:spcPct val="90000"/>
+              </a:lnSpc>
+              <a:spcBef>
+                <a:spcPts val="500"/>
+              </a:spcBef>
+              <a:buFont typeface="Arial" panose="020B0604020202020204" pitchFamily="34" charset="0"/>
+              <a:buChar char="•"/>
+              <a:defRPr sz="1800" kern="1200">
+                <a:solidFill>
+                  <a:schemeClr val="tx1"/>
+                </a:solidFill>
+                <a:latin typeface="+mn-lt"/>
+                <a:ea typeface="+mn-ea"/>
+                <a:cs typeface="+mn-cs"/>
+              </a:defRPr>
+            </a:lvl8pPr>
+            <a:lvl9pPr marL="3886200" indent="-228600" algn="l" defTabSz="914400" rtl="0" eaLnBrk="1" latinLnBrk="0" hangingPunct="1">
+              <a:lnSpc>
+                <a:spcPct val="90000"/>
+              </a:lnSpc>
+              <a:spcBef>
+                <a:spcPts val="500"/>
+              </a:spcBef>
+              <a:buFont typeface="Arial" panose="020B0604020202020204" pitchFamily="34" charset="0"/>
+              <a:buChar char="•"/>
+              <a:defRPr sz="1800" kern="1200">
+                <a:solidFill>
+                  <a:schemeClr val="tx1"/>
+                </a:solidFill>
+                <a:latin typeface="+mn-lt"/>
+                <a:ea typeface="+mn-ea"/>
+                <a:cs typeface="+mn-cs"/>
+              </a:defRPr>
+            </a:lvl9pPr>
+          </a:lstStyle>
+          <a:p>
+            <a:r>
+              <a:rPr lang="en-US" dirty="0"/>
+              <a:t>Single-session plot</a:t>
+            </a:r>
+          </a:p>
+          <a:p>
+            <a:pPr lvl="1"/>
+            <a:r>
+              <a:rPr lang="en-US" dirty="0"/>
+              <a:t>Show individual trials and average PSTH</a:t>
+            </a:r>
+          </a:p>
+          <a:p>
+            <a:pPr lvl="1"/>
+            <a:r>
+              <a:rPr lang="en-US" dirty="0"/>
+              <a:t>Variable time window (e.g., reaction-time tasks)</a:t>
+            </a:r>
+          </a:p>
+          <a:p>
+            <a:pPr lvl="1"/>
+            <a:r>
+              <a:rPr lang="en-US" dirty="0"/>
+              <a:t>Sort trials by experimental conditions</a:t>
+            </a:r>
+          </a:p>
+          <a:p>
+            <a:pPr lvl="1"/>
+            <a:r>
+              <a:rPr lang="en-US" dirty="0"/>
+              <a:t>Sort trials by an event of interest</a:t>
+            </a:r>
+          </a:p>
+          <a:p>
+            <a:pPr lvl="1"/>
+            <a:r>
+              <a:rPr lang="en-US" dirty="0"/>
+              <a:t>Statistical test</a:t>
+            </a:r>
+          </a:p>
+          <a:p>
+            <a:pPr lvl="1"/>
+            <a:r>
+              <a:rPr lang="en-US" dirty="0"/>
+              <a:t>Save the PSTHs with all the </a:t>
+            </a:r>
+            <a:r>
+              <a:rPr lang="en-US" dirty="0" err="1"/>
+              <a:t>relevent</a:t>
+            </a:r>
+            <a:r>
+              <a:rPr lang="en-US" dirty="0"/>
+              <a:t> (e.g., group, timing, event) information</a:t>
+            </a:r>
+          </a:p>
+          <a:p>
+            <a:r>
+              <a:rPr lang="en-US" dirty="0"/>
+              <a:t>Population plot</a:t>
+            </a:r>
+          </a:p>
+          <a:p>
+            <a:pPr lvl="1"/>
+            <a:r>
+              <a:rPr lang="en-US" dirty="0"/>
+              <a:t>Manage multiple PSTHs easily</a:t>
+            </a:r>
+          </a:p>
+          <a:p>
+            <a:pPr lvl="1"/>
+            <a:r>
+              <a:rPr lang="en-US" dirty="0"/>
+              <a:t>Combine different time range</a:t>
+            </a:r>
+          </a:p>
+          <a:p>
+            <a:pPr lvl="1"/>
+            <a:r>
+              <a:rPr lang="en-US" dirty="0"/>
+              <a:t>Check integrity of experimental conditions across sessions</a:t>
+            </a:r>
+          </a:p>
+          <a:p>
+            <a:pPr lvl="1"/>
+            <a:endParaRPr lang="en-US" dirty="0"/>
+          </a:p>
+          <a:p>
+            <a:endParaRPr lang="en-US" dirty="0"/>
+          </a:p>
+        </p:txBody>
+      </p:sp>
+    </p:spTree>
+    <p:extLst>
+      <p:ext uri="{BB962C8B-B14F-4D97-AF65-F5344CB8AC3E}">
+        <p14:creationId xmlns:p14="http://schemas.microsoft.com/office/powerpoint/2010/main" val="2494414680"/>
+      </p:ext>
+    </p:extLst>
+  </p:cSld>
+  <p:clrMapOvr>
+    <a:masterClrMapping/>
+  </p:clrMapOvr>
+</p:sld>
+</file>
+
+<file path=ppt/slides/slide6.xml><?xml version="1.0" encoding="utf-8"?>
+<p:sld xmlns:a="http://schemas.openxmlformats.org/drawingml/2006/main" xmlns:r="http://schemas.openxmlformats.org/officeDocument/2006/relationships" xmlns:p="http://schemas.openxmlformats.org/presentationml/2006/main">
+  <p:cSld>
+    <p:spTree>
+      <p:nvGrpSpPr>
+        <p:cNvPr id="1" name=""/>
+        <p:cNvGrpSpPr/>
+        <p:nvPr/>
+      </p:nvGrpSpPr>
+      <p:grpSpPr>
+        <a:xfrm>
+          <a:off x="0" y="0"/>
+          <a:ext cx="0" cy="0"/>
+          <a:chOff x="0" y="0"/>
+          <a:chExt cx="0" cy="0"/>
+        </a:xfrm>
+      </p:grpSpPr>
+      <p:sp>
+        <p:nvSpPr>
+          <p:cNvPr id="2" name="Title 1">
+            <a:extLst>
+              <a:ext uri="{FF2B5EF4-FFF2-40B4-BE49-F238E27FC236}">
+                <a16:creationId xmlns:a16="http://schemas.microsoft.com/office/drawing/2014/main" id="{99751610-01BC-4ACB-A346-965B931649E0}"/>
+              </a:ext>
+            </a:extLst>
+          </p:cNvPr>
+          <p:cNvSpPr>
+            <a:spLocks noGrp="1"/>
+          </p:cNvSpPr>
+          <p:nvPr>
+            <p:ph type="title"/>
+          </p:nvPr>
+        </p:nvSpPr>
+        <p:spPr>
+          <a:xfrm>
+            <a:off x="241851" y="-148394"/>
+            <a:ext cx="10515600" cy="1325563"/>
+          </a:xfrm>
+        </p:spPr>
+        <p:txBody>
+          <a:bodyPr/>
+          <a:lstStyle/>
+          <a:p>
+            <a:r>
+              <a:rPr lang="en-US" dirty="0" err="1"/>
+              <a:t>plot_timecourse</a:t>
+            </a:r>
+            <a:r>
+              <a:rPr lang="en-US" dirty="0"/>
+              <a:t>(): plotting PSTH</a:t>
+            </a:r>
+          </a:p>
+        </p:txBody>
+      </p:sp>
+      <p:sp>
+        <p:nvSpPr>
+          <p:cNvPr id="3" name="Content Placeholder 2">
+            <a:extLst>
+              <a:ext uri="{FF2B5EF4-FFF2-40B4-BE49-F238E27FC236}">
+                <a16:creationId xmlns:a16="http://schemas.microsoft.com/office/drawing/2014/main" id="{37684F67-F8AE-4610-88C1-7949CC5F396F}"/>
+              </a:ext>
+            </a:extLst>
+          </p:cNvPr>
+          <p:cNvSpPr>
+            <a:spLocks noGrp="1"/>
+          </p:cNvSpPr>
+          <p:nvPr>
+            <p:ph idx="1"/>
+          </p:nvPr>
+        </p:nvSpPr>
+        <p:spPr>
+          <a:xfrm>
+            <a:off x="6457950" y="971550"/>
+            <a:ext cx="5492198" cy="5524500"/>
+          </a:xfrm>
+        </p:spPr>
+        <p:txBody>
+          <a:bodyPr>
+            <a:normAutofit/>
+          </a:bodyPr>
+          <a:lstStyle/>
+          <a:p>
+            <a:pPr marL="0" indent="0">
+              <a:buNone/>
+            </a:pPr>
+            <a:r>
+              <a:rPr lang="en-US" dirty="0"/>
+              <a:t>Download and install</a:t>
+            </a:r>
+          </a:p>
+          <a:p>
+            <a:pPr>
+              <a:buFontTx/>
+              <a:buChar char="-"/>
+            </a:pPr>
+            <a:r>
+              <a:rPr lang="en-US" dirty="0"/>
+              <a:t>Go to http://</a:t>
+            </a:r>
+          </a:p>
+          <a:p>
+            <a:pPr>
+              <a:buFontTx/>
+              <a:buChar char="-"/>
+            </a:pPr>
+            <a:r>
+              <a:rPr lang="en-US" dirty="0"/>
+              <a:t>Click ‘save’</a:t>
+            </a:r>
+          </a:p>
+          <a:p>
+            <a:pPr>
+              <a:buFontTx/>
+              <a:buChar char="-"/>
+            </a:pPr>
+            <a:r>
+              <a:rPr lang="en-US" dirty="0"/>
+              <a:t>Open Matlab</a:t>
+            </a:r>
+          </a:p>
+          <a:p>
+            <a:pPr marL="0" indent="0">
+              <a:buNone/>
+            </a:pPr>
+            <a:r>
+              <a:rPr lang="en-US" dirty="0"/>
+              <a:t>&gt;&gt; load </a:t>
+            </a:r>
+            <a:r>
+              <a:rPr lang="en-US" dirty="0" err="1"/>
+              <a:t>libtimecourse_demo_data</a:t>
+            </a:r>
+            <a:endParaRPr lang="en-US" dirty="0"/>
+          </a:p>
+          <a:p>
+            <a:pPr marL="0" indent="0">
+              <a:buNone/>
+            </a:pPr>
+            <a:r>
+              <a:rPr lang="en-US" dirty="0"/>
+              <a:t>&gt;&gt; figure;</a:t>
+            </a:r>
+          </a:p>
+          <a:p>
+            <a:pPr marL="0" indent="0">
+              <a:buNone/>
+            </a:pPr>
+            <a:r>
+              <a:rPr lang="en-US" dirty="0"/>
+              <a:t>&gt;&gt; </a:t>
+            </a:r>
+            <a:r>
+              <a:rPr lang="en-US" dirty="0" err="1"/>
+              <a:t>plot_timecourse</a:t>
+            </a:r>
+            <a:r>
+              <a:rPr lang="en-US" dirty="0"/>
+              <a:t>(‘timestamp’, </a:t>
+            </a:r>
+            <a:r>
+              <a:rPr lang="en-US" dirty="0" err="1"/>
+              <a:t>ms_lick</a:t>
+            </a:r>
+            <a:r>
+              <a:rPr lang="en-US" dirty="0"/>
+              <a:t>, </a:t>
+            </a:r>
+            <a:r>
+              <a:rPr lang="en-US" dirty="0" err="1"/>
+              <a:t>ms_reward</a:t>
+            </a:r>
+            <a:r>
+              <a:rPr lang="en-US" dirty="0"/>
+              <a:t>, -2000, 2000);</a:t>
+            </a:r>
+          </a:p>
+          <a:p>
+            <a:endParaRPr lang="en-US" dirty="0"/>
+          </a:p>
+          <a:p>
+            <a:endParaRPr lang="en-US" dirty="0"/>
+          </a:p>
+        </p:txBody>
+      </p:sp>
+      <p:sp>
+        <p:nvSpPr>
+          <p:cNvPr id="5" name="Rectangle 4">
+            <a:extLst>
+              <a:ext uri="{FF2B5EF4-FFF2-40B4-BE49-F238E27FC236}">
+                <a16:creationId xmlns:a16="http://schemas.microsoft.com/office/drawing/2014/main" id="{11DBF8E8-14E3-4B23-A20D-D29DD07F2F1C}"/>
+              </a:ext>
+            </a:extLst>
+          </p:cNvPr>
+          <p:cNvSpPr/>
+          <p:nvPr/>
+        </p:nvSpPr>
+        <p:spPr>
+          <a:xfrm>
+            <a:off x="241851" y="4939427"/>
+            <a:ext cx="5682698" cy="1754326"/>
+          </a:xfrm>
+          <a:prstGeom prst="rect">
+            <a:avLst/>
+          </a:prstGeom>
+        </p:spPr>
+        <p:txBody>
+          <a:bodyPr wrap="square">
+            <a:spAutoFit/>
+          </a:bodyPr>
+          <a:lstStyle/>
+          <a:p>
+            <a:r>
+              <a:rPr lang="en-US" dirty="0"/>
+              <a:t>Features</a:t>
+            </a:r>
+          </a:p>
+          <a:p>
+            <a:pPr lvl="1"/>
+            <a:r>
+              <a:rPr lang="en-US" dirty="0"/>
+              <a:t>One function for both timestamp and continuous data</a:t>
+            </a:r>
+          </a:p>
+          <a:p>
+            <a:pPr lvl="1"/>
+            <a:r>
+              <a:rPr lang="en-US" dirty="0"/>
+              <a:t>Time window can be either constant or variable</a:t>
+            </a:r>
+          </a:p>
+          <a:p>
+            <a:pPr lvl="1"/>
+            <a:r>
+              <a:rPr lang="en-US" dirty="0"/>
+              <a:t>Show N for every plot</a:t>
+            </a:r>
+          </a:p>
+          <a:p>
+            <a:pPr lvl="1"/>
+            <a:r>
+              <a:rPr lang="en-US" dirty="0"/>
+              <a:t>Supports simple stats</a:t>
+            </a:r>
+          </a:p>
+          <a:p>
+            <a:pPr lvl="1"/>
+            <a:r>
+              <a:rPr lang="en-US" dirty="0"/>
+              <a:t>easy to save, load, and combine</a:t>
+            </a:r>
+          </a:p>
+        </p:txBody>
+      </p:sp>
+    </p:spTree>
+    <p:extLst>
+      <p:ext uri="{BB962C8B-B14F-4D97-AF65-F5344CB8AC3E}">
+        <p14:creationId xmlns:p14="http://schemas.microsoft.com/office/powerpoint/2010/main" val="390215011"/>
+      </p:ext>
+    </p:extLst>
+  </p:cSld>
+  <p:clrMapOvr>
+    <a:masterClrMapping/>
+  </p:clrMapOvr>
+</p:sld>
+</file>
+
+<file path=ppt/slides/slide7.xml><?xml version="1.0" encoding="utf-8"?>
+<p:sld xmlns:a="http://schemas.openxmlformats.org/drawingml/2006/main" xmlns:r="http://schemas.openxmlformats.org/officeDocument/2006/relationships" xmlns:p="http://schemas.openxmlformats.org/presentationml/2006/main">
+  <p:cSld>
+    <p:spTree>
+      <p:nvGrpSpPr>
+        <p:cNvPr id="1" name=""/>
+        <p:cNvGrpSpPr/>
+        <p:nvPr/>
+      </p:nvGrpSpPr>
+      <p:grpSpPr>
+        <a:xfrm>
+          <a:off x="0" y="0"/>
+          <a:ext cx="0" cy="0"/>
+          <a:chOff x="0" y="0"/>
+          <a:chExt cx="0" cy="0"/>
+        </a:xfrm>
+      </p:grpSpPr>
+      <p:sp>
+        <p:nvSpPr>
+          <p:cNvPr id="2" name="Title 1">
+            <a:extLst>
+              <a:ext uri="{FF2B5EF4-FFF2-40B4-BE49-F238E27FC236}">
                 <a16:creationId xmlns:a16="http://schemas.microsoft.com/office/drawing/2014/main" id="{81A873B6-E34E-4A08-8857-CE556F44C8B1}"/>
               </a:ext>
             </a:extLst>
@@ -9114,7 +9809,7 @@
 </p:sld>
 </file>
 
-<file path=ppt/slides/slide6.xml><?xml version="1.0" encoding="utf-8"?>
+<file path=ppt/slides/slide8.xml><?xml version="1.0" encoding="utf-8"?>
 <p:sld xmlns:a="http://schemas.openxmlformats.org/drawingml/2006/main" xmlns:r="http://schemas.openxmlformats.org/officeDocument/2006/relationships" xmlns:p="http://schemas.openxmlformats.org/presentationml/2006/main">
   <p:cSld>
     <p:spTree>
@@ -9560,7 +10255,7 @@
 </p:sld>
 </file>
 
-<file path=ppt/slides/slide7.xml><?xml version="1.0" encoding="utf-8"?>
+<file path=ppt/slides/slide9.xml><?xml version="1.0" encoding="utf-8"?>
 <p:sld xmlns:a="http://schemas.openxmlformats.org/drawingml/2006/main" xmlns:r="http://schemas.openxmlformats.org/officeDocument/2006/relationships" xmlns:p="http://schemas.openxmlformats.org/presentationml/2006/main">
   <p:cSld>
     <p:spTree>
@@ -10265,212 +10960,6 @@
       <p:bldP spid="10" grpId="0" animBg="1"/>
     </p:bldLst>
   </p:timing>
-</p:sld>
-</file>
-
-<file path=ppt/slides/slide8.xml><?xml version="1.0" encoding="utf-8"?>
-<p:sld xmlns:a="http://schemas.openxmlformats.org/drawingml/2006/main" xmlns:r="http://schemas.openxmlformats.org/officeDocument/2006/relationships" xmlns:p="http://schemas.openxmlformats.org/presentationml/2006/main">
-  <p:cSld>
-    <p:spTree>
-      <p:nvGrpSpPr>
-        <p:cNvPr id="1" name=""/>
-        <p:cNvGrpSpPr/>
-        <p:nvPr/>
-      </p:nvGrpSpPr>
-      <p:grpSpPr>
-        <a:xfrm>
-          <a:off x="0" y="0"/>
-          <a:ext cx="0" cy="0"/>
-          <a:chOff x="0" y="0"/>
-          <a:chExt cx="0" cy="0"/>
-        </a:xfrm>
-      </p:grpSpPr>
-      <p:sp>
-        <p:nvSpPr>
-          <p:cNvPr id="2" name="Title 1">
-            <a:extLst>
-              <a:ext uri="{FF2B5EF4-FFF2-40B4-BE49-F238E27FC236}">
-                <a16:creationId xmlns:a16="http://schemas.microsoft.com/office/drawing/2014/main" id="{FFE1E5A7-5416-4D8E-99DD-A54825E28448}"/>
-              </a:ext>
-            </a:extLst>
-          </p:cNvPr>
-          <p:cNvSpPr>
-            <a:spLocks noGrp="1"/>
-          </p:cNvSpPr>
-          <p:nvPr>
-            <p:ph type="title"/>
-          </p:nvPr>
-        </p:nvSpPr>
-        <p:spPr/>
-        <p:txBody>
-          <a:bodyPr/>
-          <a:lstStyle/>
-          <a:p>
-            <a:r>
-              <a:rPr lang="en-US" dirty="0"/>
-              <a:t>Population analysis</a:t>
-            </a:r>
-          </a:p>
-        </p:txBody>
-      </p:sp>
-      <p:sp>
-        <p:nvSpPr>
-          <p:cNvPr id="3" name="Content Placeholder 2">
-            <a:extLst>
-              <a:ext uri="{FF2B5EF4-FFF2-40B4-BE49-F238E27FC236}">
-                <a16:creationId xmlns:a16="http://schemas.microsoft.com/office/drawing/2014/main" id="{E7D0BC1D-3A23-4982-AF37-9CEA1C46788D}"/>
-              </a:ext>
-            </a:extLst>
-          </p:cNvPr>
-          <p:cNvSpPr>
-            <a:spLocks noGrp="1"/>
-          </p:cNvSpPr>
-          <p:nvPr>
-            <p:ph idx="1"/>
-          </p:nvPr>
-        </p:nvSpPr>
-        <p:spPr/>
-        <p:txBody>
-          <a:bodyPr/>
-          <a:lstStyle/>
-          <a:p>
-            <a:r>
-              <a:rPr lang="en-US" dirty="0"/>
-              <a:t>Extract numbers from PSTHs</a:t>
-            </a:r>
-          </a:p>
-          <a:p>
-            <a:r>
-              <a:rPr lang="en-US" dirty="0"/>
-              <a:t>Within-session analysis (across trials)</a:t>
-            </a:r>
-          </a:p>
-          <a:p>
-            <a:r>
-              <a:rPr lang="en-US" dirty="0"/>
-              <a:t>Across-session analysis (using session-average, across session)</a:t>
-            </a:r>
-          </a:p>
-          <a:p>
-            <a:r>
-              <a:rPr lang="en-US" dirty="0"/>
-              <a:t>Visualization accompanies stats</a:t>
-            </a:r>
-          </a:p>
-          <a:p>
-            <a:r>
-              <a:rPr lang="en-US" dirty="0"/>
-              <a:t>Rigorous</a:t>
-            </a:r>
-          </a:p>
-          <a:p>
-            <a:pPr lvl="1"/>
-            <a:r>
-              <a:rPr lang="en-US" dirty="0"/>
-              <a:t>N, OL</a:t>
-            </a:r>
-          </a:p>
-          <a:p>
-            <a:endParaRPr lang="en-US" dirty="0"/>
-          </a:p>
-        </p:txBody>
-      </p:sp>
-    </p:spTree>
-    <p:extLst>
-      <p:ext uri="{BB962C8B-B14F-4D97-AF65-F5344CB8AC3E}">
-        <p14:creationId xmlns:p14="http://schemas.microsoft.com/office/powerpoint/2010/main" val="3555894964"/>
-      </p:ext>
-    </p:extLst>
-  </p:cSld>
-  <p:clrMapOvr>
-    <a:masterClrMapping/>
-  </p:clrMapOvr>
-</p:sld>
-</file>
-
-<file path=ppt/slides/slide9.xml><?xml version="1.0" encoding="utf-8"?>
-<p:sld xmlns:a="http://schemas.openxmlformats.org/drawingml/2006/main" xmlns:r="http://schemas.openxmlformats.org/officeDocument/2006/relationships" xmlns:p="http://schemas.openxmlformats.org/presentationml/2006/main">
-  <p:cSld>
-    <p:spTree>
-      <p:nvGrpSpPr>
-        <p:cNvPr id="1" name=""/>
-        <p:cNvGrpSpPr/>
-        <p:nvPr/>
-      </p:nvGrpSpPr>
-      <p:grpSpPr>
-        <a:xfrm>
-          <a:off x="0" y="0"/>
-          <a:ext cx="0" cy="0"/>
-          <a:chOff x="0" y="0"/>
-          <a:chExt cx="0" cy="0"/>
-        </a:xfrm>
-      </p:grpSpPr>
-      <p:sp>
-        <p:nvSpPr>
-          <p:cNvPr id="2" name="Title 1">
-            <a:extLst>
-              <a:ext uri="{FF2B5EF4-FFF2-40B4-BE49-F238E27FC236}">
-                <a16:creationId xmlns:a16="http://schemas.microsoft.com/office/drawing/2014/main" id="{20945CB4-53F1-4DEA-BA93-D6041C4B7289}"/>
-              </a:ext>
-            </a:extLst>
-          </p:cNvPr>
-          <p:cNvSpPr>
-            <a:spLocks noGrp="1"/>
-          </p:cNvSpPr>
-          <p:nvPr>
-            <p:ph type="title"/>
-          </p:nvPr>
-        </p:nvSpPr>
-        <p:spPr/>
-        <p:txBody>
-          <a:bodyPr/>
-          <a:lstStyle/>
-          <a:p>
-            <a:r>
-              <a:rPr lang="en-US" dirty="0"/>
-              <a:t>Disclaimer</a:t>
-            </a:r>
-          </a:p>
-        </p:txBody>
-      </p:sp>
-      <p:sp>
-        <p:nvSpPr>
-          <p:cNvPr id="3" name="Content Placeholder 2">
-            <a:extLst>
-              <a:ext uri="{FF2B5EF4-FFF2-40B4-BE49-F238E27FC236}">
-                <a16:creationId xmlns:a16="http://schemas.microsoft.com/office/drawing/2014/main" id="{20402CE1-1F5E-4456-BF41-38B618E430FB}"/>
-              </a:ext>
-            </a:extLst>
-          </p:cNvPr>
-          <p:cNvSpPr>
-            <a:spLocks noGrp="1"/>
-          </p:cNvSpPr>
-          <p:nvPr>
-            <p:ph idx="1"/>
-          </p:nvPr>
-        </p:nvSpPr>
-        <p:spPr/>
-        <p:txBody>
-          <a:bodyPr/>
-          <a:lstStyle/>
-          <a:p>
-            <a:r>
-              <a:rPr lang="en-US" dirty="0"/>
-              <a:t>Bugs will happen; suspect the results!</a:t>
-            </a:r>
-          </a:p>
-        </p:txBody>
-      </p:sp>
-    </p:spTree>
-    <p:extLst>
-      <p:ext uri="{BB962C8B-B14F-4D97-AF65-F5344CB8AC3E}">
-        <p14:creationId xmlns:p14="http://schemas.microsoft.com/office/powerpoint/2010/main" val="332489415"/>
-      </p:ext>
-    </p:extLst>
-  </p:cSld>
-  <p:clrMapOvr>
-    <a:masterClrMapping/>
-  </p:clrMapOvr>
 </p:sld>
 </file>
 
